--- a/TEXT ENCRYPTION USING VARIOUS ALGORTHIMS-2.pptx
+++ b/TEXT ENCRYPTION USING VARIOUS ALGORTHIMS-2.pptx
@@ -15,16 +15,17 @@
     <p:sldId id="262" r:id="rId9"/>
     <p:sldId id="263" r:id="rId10"/>
     <p:sldId id="265" r:id="rId11"/>
-    <p:sldId id="266" r:id="rId12"/>
-    <p:sldId id="267" r:id="rId13"/>
-    <p:sldId id="282" r:id="rId14"/>
-    <p:sldId id="281" r:id="rId15"/>
-    <p:sldId id="268" r:id="rId16"/>
-    <p:sldId id="269" r:id="rId17"/>
-    <p:sldId id="270" r:id="rId18"/>
-    <p:sldId id="271" r:id="rId19"/>
-    <p:sldId id="278" r:id="rId20"/>
-    <p:sldId id="279" r:id="rId21"/>
+    <p:sldId id="283" r:id="rId12"/>
+    <p:sldId id="266" r:id="rId13"/>
+    <p:sldId id="267" r:id="rId14"/>
+    <p:sldId id="282" r:id="rId15"/>
+    <p:sldId id="281" r:id="rId16"/>
+    <p:sldId id="268" r:id="rId17"/>
+    <p:sldId id="269" r:id="rId18"/>
+    <p:sldId id="270" r:id="rId19"/>
+    <p:sldId id="271" r:id="rId20"/>
+    <p:sldId id="278" r:id="rId21"/>
+    <p:sldId id="279" r:id="rId22"/>
   </p:sldIdLst>
   <p:sldSz cx="12192000" cy="6858000"/>
   <p:notesSz cx="6858000" cy="9144000"/>
@@ -14674,6 +14675,557 @@
           <a:chExt cx="0" cy="0"/>
         </a:xfrm>
       </p:grpSpPr>
+      <p:sp>
+        <p:nvSpPr>
+          <p:cNvPr id="71" name="Rectangle 70">
+            <a:extLst>
+              <a:ext uri="{FF2B5EF4-FFF2-40B4-BE49-F238E27FC236}">
+                <a16:creationId xmlns:a16="http://schemas.microsoft.com/office/drawing/2014/main" id="{2B566528-1B12-4246-9431-5C2D7D081168}"/>
+              </a:ext>
+              <a:ext uri="{C183D7F6-B498-43B3-948B-1728B52AA6E4}">
+                <adec:decorative xmlns:adec="http://schemas.microsoft.com/office/drawing/2017/decorative" val="1"/>
+              </a:ext>
+            </a:extLst>
+          </p:cNvPr>
+          <p:cNvSpPr>
+            <a:spLocks noGrp="1" noRot="1" noChangeAspect="1" noMove="1" noResize="1" noEditPoints="1" noAdjustHandles="1" noChangeArrowheads="1" noChangeShapeType="1" noTextEdit="1"/>
+          </p:cNvSpPr>
+          <p:nvPr>
+            <p:extLst>
+              <p:ext uri="{386F3935-93C4-4BCD-93E2-E3B085C9AB24}">
+                <p16:designElem xmlns:p16="http://schemas.microsoft.com/office/powerpoint/2015/main" val="1"/>
+              </p:ext>
+            </p:extLst>
+          </p:nvPr>
+        </p:nvSpPr>
+        <p:spPr>
+          <a:xfrm>
+            <a:off x="0" y="0"/>
+            <a:ext cx="12192000" cy="6858000"/>
+          </a:xfrm>
+          <a:prstGeom prst="rect">
+            <a:avLst/>
+          </a:prstGeom>
+          <a:solidFill>
+            <a:schemeClr val="bg1"/>
+          </a:solidFill>
+          <a:ln>
+            <a:noFill/>
+          </a:ln>
+        </p:spPr>
+        <p:style>
+          <a:lnRef idx="2">
+            <a:schemeClr val="accent1">
+              <a:shade val="50000"/>
+            </a:schemeClr>
+          </a:lnRef>
+          <a:fillRef idx="1">
+            <a:schemeClr val="accent1"/>
+          </a:fillRef>
+          <a:effectRef idx="0">
+            <a:schemeClr val="accent1"/>
+          </a:effectRef>
+          <a:fontRef idx="minor">
+            <a:schemeClr val="lt1"/>
+          </a:fontRef>
+        </p:style>
+        <p:txBody>
+          <a:bodyPr rtlCol="0" anchor="ctr"/>
+          <a:lstStyle/>
+          <a:p>
+            <a:pPr algn="ctr"/>
+            <a:endParaRPr lang="en-US" dirty="0"/>
+          </a:p>
+        </p:txBody>
+      </p:sp>
+      <p:sp>
+        <p:nvSpPr>
+          <p:cNvPr id="2" name="Title 1">
+            <a:extLst>
+              <a:ext uri="{FF2B5EF4-FFF2-40B4-BE49-F238E27FC236}">
+                <a16:creationId xmlns:a16="http://schemas.microsoft.com/office/drawing/2014/main" id="{AB993B3F-3081-48F1-AB0F-00F11943A60A}"/>
+              </a:ext>
+            </a:extLst>
+          </p:cNvPr>
+          <p:cNvSpPr>
+            <a:spLocks noGrp="1"/>
+          </p:cNvSpPr>
+          <p:nvPr>
+            <p:ph type="title"/>
+          </p:nvPr>
+        </p:nvSpPr>
+        <p:spPr>
+          <a:xfrm>
+            <a:off x="643467" y="321734"/>
+            <a:ext cx="10905066" cy="1135737"/>
+          </a:xfrm>
+        </p:spPr>
+        <p:txBody>
+          <a:bodyPr>
+            <a:normAutofit/>
+          </a:bodyPr>
+          <a:lstStyle/>
+          <a:p>
+            <a:r>
+              <a:rPr lang="en-US" sz="3600" b="1" i="0">
+                <a:effectLst/>
+                <a:latin typeface="Nunito Sans" panose="020B0604020202020204" pitchFamily="2" charset="0"/>
+              </a:rPr>
+              <a:t>How does Asymmetric Encryption work?</a:t>
+            </a:r>
+            <a:br>
+              <a:rPr lang="en-US" sz="3600" b="1" i="0">
+                <a:effectLst/>
+                <a:latin typeface="Nunito Sans" panose="020B0604020202020204" pitchFamily="2" charset="0"/>
+              </a:rPr>
+            </a:br>
+            <a:endParaRPr lang="en-IN" sz="3600"/>
+          </a:p>
+        </p:txBody>
+      </p:sp>
+      <p:sp>
+        <p:nvSpPr>
+          <p:cNvPr id="3" name="Content Placeholder 2">
+            <a:extLst>
+              <a:ext uri="{FF2B5EF4-FFF2-40B4-BE49-F238E27FC236}">
+                <a16:creationId xmlns:a16="http://schemas.microsoft.com/office/drawing/2014/main" id="{2947575D-0397-46DE-B2C0-34968D69410B}"/>
+              </a:ext>
+            </a:extLst>
+          </p:cNvPr>
+          <p:cNvSpPr>
+            <a:spLocks noGrp="1"/>
+          </p:cNvSpPr>
+          <p:nvPr>
+            <p:ph idx="1"/>
+          </p:nvPr>
+        </p:nvSpPr>
+        <p:spPr>
+          <a:xfrm>
+            <a:off x="643469" y="1782981"/>
+            <a:ext cx="4008384" cy="4393982"/>
+          </a:xfrm>
+        </p:spPr>
+        <p:txBody>
+          <a:bodyPr>
+            <a:normAutofit/>
+          </a:bodyPr>
+          <a:lstStyle/>
+          <a:p>
+            <a:r>
+              <a:rPr lang="en-US" sz="2000" b="0" i="0">
+                <a:effectLst/>
+                <a:latin typeface="Nunito Sans" pitchFamily="2" charset="0"/>
+              </a:rPr>
+              <a:t>Asymmetric Encryption robustly addresses these challenges with a pair of keys: a public key and a private key. While the data is encrypted at the sender’s end using the receiver’s public key and the data exchanged is decrypted by the receiver using his private key. </a:t>
+            </a:r>
+            <a:endParaRPr lang="en-IN" sz="2000"/>
+          </a:p>
+        </p:txBody>
+      </p:sp>
+      <p:grpSp>
+        <p:nvGrpSpPr>
+          <p:cNvPr id="73" name="Group 72">
+            <a:extLst>
+              <a:ext uri="{FF2B5EF4-FFF2-40B4-BE49-F238E27FC236}">
+                <a16:creationId xmlns:a16="http://schemas.microsoft.com/office/drawing/2014/main" id="{828A5161-06F1-46CF-8AD7-844680A59E13}"/>
+              </a:ext>
+              <a:ext uri="{C183D7F6-B498-43B3-948B-1728B52AA6E4}">
+                <adec:decorative xmlns:adec="http://schemas.microsoft.com/office/drawing/2017/decorative" val="1"/>
+              </a:ext>
+            </a:extLst>
+          </p:cNvPr>
+          <p:cNvGrpSpPr>
+            <a:grpSpLocks noGrp="1" noUngrp="1" noRot="1" noChangeAspect="1" noMove="1" noResize="1"/>
+          </p:cNvGrpSpPr>
+          <p:nvPr>
+            <p:extLst>
+              <p:ext uri="{386F3935-93C4-4BCD-93E2-E3B085C9AB24}">
+                <p16:designElem xmlns:p16="http://schemas.microsoft.com/office/powerpoint/2015/main" val="1"/>
+              </p:ext>
+            </p:extLst>
+          </p:nvPr>
+        </p:nvGrpSpPr>
+        <p:grpSpPr>
+          <a:xfrm>
+            <a:off x="0" y="4601497"/>
+            <a:ext cx="1014060" cy="2017580"/>
+            <a:chOff x="0" y="4601497"/>
+            <a:chExt cx="1014060" cy="2017580"/>
+          </a:xfrm>
+        </p:grpSpPr>
+        <p:sp>
+          <p:nvSpPr>
+            <p:cNvPr id="74" name="Isosceles Triangle 73">
+              <a:extLst>
+                <a:ext uri="{FF2B5EF4-FFF2-40B4-BE49-F238E27FC236}">
+                  <a16:creationId xmlns:a16="http://schemas.microsoft.com/office/drawing/2014/main" id="{D3F51FEB-38FB-4F6C-9F7B-2F2AFAB65463}"/>
+                </a:ext>
+                <a:ext uri="{C183D7F6-B498-43B3-948B-1728B52AA6E4}">
+                  <adec:decorative xmlns:adec="http://schemas.microsoft.com/office/drawing/2017/decorative" val="1"/>
+                </a:ext>
+              </a:extLst>
+            </p:cNvPr>
+            <p:cNvSpPr/>
+            <p:nvPr>
+              <p:extLst>
+                <p:ext uri="{386F3935-93C4-4BCD-93E2-E3B085C9AB24}">
+                  <p16:designElem xmlns:p16="http://schemas.microsoft.com/office/powerpoint/2015/main" val="1"/>
+                </p:ext>
+              </p:extLst>
+            </p:nvPr>
+          </p:nvSpPr>
+          <p:spPr>
+            <a:xfrm rot="5400000">
+              <a:off x="-501760" y="5103257"/>
+              <a:ext cx="2017580" cy="1014060"/>
+            </a:xfrm>
+            <a:prstGeom prst="triangle">
+              <a:avLst>
+                <a:gd name="adj" fmla="val 50000"/>
+              </a:avLst>
+            </a:prstGeom>
+            <a:solidFill>
+              <a:schemeClr val="accent1">
+                <a:alpha val="30000"/>
+              </a:schemeClr>
+            </a:solidFill>
+            <a:ln>
+              <a:noFill/>
+            </a:ln>
+          </p:spPr>
+          <p:style>
+            <a:lnRef idx="2">
+              <a:schemeClr val="accent1">
+                <a:shade val="50000"/>
+              </a:schemeClr>
+            </a:lnRef>
+            <a:fillRef idx="1">
+              <a:schemeClr val="accent1"/>
+            </a:fillRef>
+            <a:effectRef idx="0">
+              <a:schemeClr val="accent1"/>
+            </a:effectRef>
+            <a:fontRef idx="minor">
+              <a:schemeClr val="lt1"/>
+            </a:fontRef>
+          </p:style>
+          <p:txBody>
+            <a:bodyPr rtlCol="0" anchor="ctr"/>
+            <a:lstStyle/>
+            <a:p>
+              <a:pPr algn="ctr"/>
+              <a:endParaRPr lang="en-US"/>
+            </a:p>
+          </p:txBody>
+        </p:sp>
+        <p:sp>
+          <p:nvSpPr>
+            <p:cNvPr id="75" name="Rectangle 74">
+              <a:extLst>
+                <a:ext uri="{FF2B5EF4-FFF2-40B4-BE49-F238E27FC236}">
+                  <a16:creationId xmlns:a16="http://schemas.microsoft.com/office/drawing/2014/main" id="{1E547BA6-BAE0-43BB-A7CA-60F69CE252F0}"/>
+                </a:ext>
+                <a:ext uri="{C183D7F6-B498-43B3-948B-1728B52AA6E4}">
+                  <adec:decorative xmlns:adec="http://schemas.microsoft.com/office/drawing/2017/decorative" val="1"/>
+                </a:ext>
+              </a:extLst>
+            </p:cNvPr>
+            <p:cNvSpPr/>
+            <p:nvPr>
+              <p:extLst>
+                <p:ext uri="{386F3935-93C4-4BCD-93E2-E3B085C9AB24}">
+                  <p16:designElem xmlns:p16="http://schemas.microsoft.com/office/powerpoint/2015/main" val="1"/>
+                </p:ext>
+              </p:extLst>
+            </p:nvPr>
+          </p:nvSpPr>
+          <p:spPr>
+            <a:xfrm rot="2700000">
+              <a:off x="427916" y="5728708"/>
+              <a:ext cx="485578" cy="485578"/>
+            </a:xfrm>
+            <a:prstGeom prst="rect">
+              <a:avLst/>
+            </a:prstGeom>
+            <a:solidFill>
+              <a:schemeClr val="accent1">
+                <a:alpha val="30000"/>
+              </a:schemeClr>
+            </a:solidFill>
+            <a:ln>
+              <a:noFill/>
+            </a:ln>
+          </p:spPr>
+          <p:style>
+            <a:lnRef idx="2">
+              <a:schemeClr val="accent1">
+                <a:shade val="50000"/>
+              </a:schemeClr>
+            </a:lnRef>
+            <a:fillRef idx="1">
+              <a:schemeClr val="accent1"/>
+            </a:fillRef>
+            <a:effectRef idx="0">
+              <a:schemeClr val="accent1"/>
+            </a:effectRef>
+            <a:fontRef idx="minor">
+              <a:schemeClr val="lt1"/>
+            </a:fontRef>
+          </p:style>
+          <p:txBody>
+            <a:bodyPr rtlCol="0" anchor="ctr"/>
+            <a:lstStyle/>
+            <a:p>
+              <a:pPr algn="ctr"/>
+              <a:endParaRPr lang="en-US"/>
+            </a:p>
+          </p:txBody>
+        </p:sp>
+      </p:grpSp>
+      <p:pic>
+        <p:nvPicPr>
+          <p:cNvPr id="1026" name="Picture 2" descr="Graphical user interface&#10;&#10;Description automatically generated">
+            <a:extLst>
+              <a:ext uri="{FF2B5EF4-FFF2-40B4-BE49-F238E27FC236}">
+                <a16:creationId xmlns:a16="http://schemas.microsoft.com/office/drawing/2014/main" id="{93939FAC-86BC-4B55-9C62-7FFB7D2FFBD0}"/>
+              </a:ext>
+            </a:extLst>
+          </p:cNvPr>
+          <p:cNvPicPr>
+            <a:picLocks noChangeAspect="1" noChangeArrowheads="1"/>
+          </p:cNvPicPr>
+          <p:nvPr/>
+        </p:nvPicPr>
+        <p:blipFill>
+          <a:blip r:embed="rId2">
+            <a:extLst>
+              <a:ext uri="{28A0092B-C50C-407E-A947-70E740481C1C}">
+                <a14:useLocalDpi xmlns:a14="http://schemas.microsoft.com/office/drawing/2010/main" val="0"/>
+              </a:ext>
+            </a:extLst>
+          </a:blip>
+          <a:stretch>
+            <a:fillRect/>
+          </a:stretch>
+        </p:blipFill>
+        <p:spPr bwMode="auto">
+          <a:xfrm>
+            <a:off x="5295320" y="2400624"/>
+            <a:ext cx="6253212" cy="3126606"/>
+          </a:xfrm>
+          <a:prstGeom prst="rect">
+            <a:avLst/>
+          </a:prstGeom>
+          <a:noFill/>
+          <a:extLst>
+            <a:ext uri="{909E8E84-426E-40DD-AFC4-6F175D3DCCD1}">
+              <a14:hiddenFill xmlns:a14="http://schemas.microsoft.com/office/drawing/2010/main">
+                <a:solidFill>
+                  <a:srgbClr val="FFFFFF"/>
+                </a:solidFill>
+              </a14:hiddenFill>
+            </a:ext>
+          </a:extLst>
+        </p:spPr>
+      </p:pic>
+      <p:grpSp>
+        <p:nvGrpSpPr>
+          <p:cNvPr id="77" name="Group 76">
+            <a:extLst>
+              <a:ext uri="{FF2B5EF4-FFF2-40B4-BE49-F238E27FC236}">
+                <a16:creationId xmlns:a16="http://schemas.microsoft.com/office/drawing/2014/main" id="{5995D10D-E9C9-47DB-AE7E-801FEF38F5C9}"/>
+              </a:ext>
+              <a:ext uri="{C183D7F6-B498-43B3-948B-1728B52AA6E4}">
+                <adec:decorative xmlns:adec="http://schemas.microsoft.com/office/drawing/2017/decorative" val="1"/>
+              </a:ext>
+            </a:extLst>
+          </p:cNvPr>
+          <p:cNvGrpSpPr>
+            <a:grpSpLocks noGrp="1" noUngrp="1" noRot="1" noChangeAspect="1" noMove="1" noResize="1"/>
+          </p:cNvGrpSpPr>
+          <p:nvPr>
+            <p:extLst>
+              <p:ext uri="{386F3935-93C4-4BCD-93E2-E3B085C9AB24}">
+                <p16:designElem xmlns:p16="http://schemas.microsoft.com/office/powerpoint/2015/main" val="1"/>
+              </p:ext>
+            </p:extLst>
+          </p:nvPr>
+        </p:nvGrpSpPr>
+        <p:grpSpPr>
+          <a:xfrm>
+            <a:off x="11219290" y="1"/>
+            <a:ext cx="972709" cy="1935307"/>
+            <a:chOff x="10918968" y="713127"/>
+            <a:chExt cx="1273032" cy="2532832"/>
+          </a:xfrm>
+        </p:grpSpPr>
+        <p:sp>
+          <p:nvSpPr>
+            <p:cNvPr id="78" name="Rectangle 77">
+              <a:extLst>
+                <a:ext uri="{FF2B5EF4-FFF2-40B4-BE49-F238E27FC236}">
+                  <a16:creationId xmlns:a16="http://schemas.microsoft.com/office/drawing/2014/main" id="{CC1A72C6-3DE4-4EC3-9AD5-9E0D40D8CE8A}"/>
+                </a:ext>
+                <a:ext uri="{C183D7F6-B498-43B3-948B-1728B52AA6E4}">
+                  <adec:decorative xmlns:adec="http://schemas.microsoft.com/office/drawing/2017/decorative" val="1"/>
+                </a:ext>
+              </a:extLst>
+            </p:cNvPr>
+            <p:cNvSpPr/>
+            <p:nvPr>
+              <p:extLst>
+                <p:ext uri="{386F3935-93C4-4BCD-93E2-E3B085C9AB24}">
+                  <p16:designElem xmlns:p16="http://schemas.microsoft.com/office/powerpoint/2015/main" val="1"/>
+                </p:ext>
+              </p:extLst>
+            </p:nvPr>
+          </p:nvSpPr>
+          <p:spPr>
+            <a:xfrm rot="2700000">
+              <a:off x="11052629" y="2120024"/>
+              <a:ext cx="645368" cy="645368"/>
+            </a:xfrm>
+            <a:prstGeom prst="rect">
+              <a:avLst/>
+            </a:prstGeom>
+            <a:solidFill>
+              <a:schemeClr val="accent4">
+                <a:alpha val="30000"/>
+              </a:schemeClr>
+            </a:solidFill>
+            <a:ln>
+              <a:noFill/>
+            </a:ln>
+          </p:spPr>
+          <p:style>
+            <a:lnRef idx="2">
+              <a:schemeClr val="accent1">
+                <a:shade val="50000"/>
+              </a:schemeClr>
+            </a:lnRef>
+            <a:fillRef idx="1">
+              <a:schemeClr val="accent1"/>
+            </a:fillRef>
+            <a:effectRef idx="0">
+              <a:schemeClr val="accent1"/>
+            </a:effectRef>
+            <a:fontRef idx="minor">
+              <a:schemeClr val="lt1"/>
+            </a:fontRef>
+          </p:style>
+          <p:txBody>
+            <a:bodyPr rtlCol="0" anchor="ctr"/>
+            <a:lstStyle/>
+            <a:p>
+              <a:pPr algn="ctr"/>
+              <a:endParaRPr lang="en-US"/>
+            </a:p>
+          </p:txBody>
+        </p:sp>
+        <p:sp>
+          <p:nvSpPr>
+            <p:cNvPr id="79" name="Isosceles Triangle 78">
+              <a:extLst>
+                <a:ext uri="{FF2B5EF4-FFF2-40B4-BE49-F238E27FC236}">
+                  <a16:creationId xmlns:a16="http://schemas.microsoft.com/office/drawing/2014/main" id="{0B0DA1F1-C391-4EDF-9FE0-23E86E137765}"/>
+                </a:ext>
+                <a:ext uri="{C183D7F6-B498-43B3-948B-1728B52AA6E4}">
+                  <adec:decorative xmlns:adec="http://schemas.microsoft.com/office/drawing/2017/decorative" val="1"/>
+                </a:ext>
+              </a:extLst>
+            </p:cNvPr>
+            <p:cNvSpPr/>
+            <p:nvPr>
+              <p:extLst>
+                <p:ext uri="{386F3935-93C4-4BCD-93E2-E3B085C9AB24}">
+                  <p16:designElem xmlns:p16="http://schemas.microsoft.com/office/powerpoint/2015/main" val="1"/>
+                </p:ext>
+              </p:extLst>
+            </p:nvPr>
+          </p:nvSpPr>
+          <p:spPr>
+            <a:xfrm rot="16200000">
+              <a:off x="10289068" y="1343027"/>
+              <a:ext cx="2532832" cy="1273032"/>
+            </a:xfrm>
+            <a:prstGeom prst="triangle">
+              <a:avLst>
+                <a:gd name="adj" fmla="val 50000"/>
+              </a:avLst>
+            </a:prstGeom>
+            <a:solidFill>
+              <a:schemeClr val="accent4">
+                <a:alpha val="30000"/>
+              </a:schemeClr>
+            </a:solidFill>
+            <a:ln>
+              <a:noFill/>
+            </a:ln>
+          </p:spPr>
+          <p:style>
+            <a:lnRef idx="2">
+              <a:schemeClr val="accent1">
+                <a:shade val="50000"/>
+              </a:schemeClr>
+            </a:lnRef>
+            <a:fillRef idx="1">
+              <a:schemeClr val="accent1"/>
+            </a:fillRef>
+            <a:effectRef idx="0">
+              <a:schemeClr val="accent1"/>
+            </a:effectRef>
+            <a:fontRef idx="minor">
+              <a:schemeClr val="lt1"/>
+            </a:fontRef>
+          </p:style>
+          <p:txBody>
+            <a:bodyPr rtlCol="0" anchor="ctr"/>
+            <a:lstStyle/>
+            <a:p>
+              <a:pPr algn="ctr"/>
+              <a:endParaRPr lang="en-US" dirty="0"/>
+            </a:p>
+          </p:txBody>
+        </p:sp>
+      </p:grpSp>
+    </p:spTree>
+    <p:extLst>
+      <p:ext uri="{BB962C8B-B14F-4D97-AF65-F5344CB8AC3E}">
+        <p14:creationId xmlns:p14="http://schemas.microsoft.com/office/powerpoint/2010/main" val="2842471366"/>
+      </p:ext>
+    </p:extLst>
+  </p:cSld>
+  <p:clrMapOvr>
+    <a:masterClrMapping/>
+  </p:clrMapOvr>
+</p:sld>
+</file>
+
+<file path=ppt/slides/slide12.xml><?xml version="1.0" encoding="utf-8"?>
+<p:sld xmlns:a="http://schemas.openxmlformats.org/drawingml/2006/main" xmlns:r="http://schemas.openxmlformats.org/officeDocument/2006/relationships" xmlns:p="http://schemas.openxmlformats.org/presentationml/2006/main">
+  <p:cSld>
+    <p:bg>
+      <p:bgPr>
+        <a:solidFill>
+          <a:schemeClr val="bg1"/>
+        </a:solidFill>
+        <a:effectLst/>
+      </p:bgPr>
+    </p:bg>
+    <p:spTree>
+      <p:nvGrpSpPr>
+        <p:cNvPr id="1" name=""/>
+        <p:cNvGrpSpPr/>
+        <p:nvPr/>
+      </p:nvGrpSpPr>
+      <p:grpSpPr>
+        <a:xfrm>
+          <a:off x="0" y="0"/>
+          <a:ext cx="0" cy="0"/>
+          <a:chOff x="0" y="0"/>
+          <a:chExt cx="0" cy="0"/>
+        </a:xfrm>
+      </p:grpSpPr>
       <p:sp useBgFill="1">
         <p:nvSpPr>
           <p:cNvPr id="8" name="Rectangle 7">
@@ -15430,7 +15982,7 @@
 </p:sld>
 </file>
 
-<file path=ppt/slides/slide12.xml><?xml version="1.0" encoding="utf-8"?>
+<file path=ppt/slides/slide13.xml><?xml version="1.0" encoding="utf-8"?>
 <p:sld xmlns:a="http://schemas.openxmlformats.org/drawingml/2006/main" xmlns:r="http://schemas.openxmlformats.org/officeDocument/2006/relationships" xmlns:p="http://schemas.openxmlformats.org/presentationml/2006/main">
   <p:cSld>
     <p:bg>
@@ -15767,7 +16319,7 @@
 </p:sld>
 </file>
 
-<file path=ppt/slides/slide13.xml><?xml version="1.0" encoding="utf-8"?>
+<file path=ppt/slides/slide14.xml><?xml version="1.0" encoding="utf-8"?>
 <p:sld xmlns:a="http://schemas.openxmlformats.org/drawingml/2006/main" xmlns:r="http://schemas.openxmlformats.org/officeDocument/2006/relationships" xmlns:p="http://schemas.openxmlformats.org/presentationml/2006/main">
   <p:cSld>
     <p:spTree>
@@ -15806,10 +16358,10 @@
           <a:lstStyle/>
           <a:p>
             <a:r>
-              <a:rPr lang="en-US"/>
+              <a:rPr lang="en-US" dirty="0"/>
               <a:t>RSA  IN NUTSHELL</a:t>
             </a:r>
-            <a:endParaRPr lang="en-IN"/>
+            <a:endParaRPr lang="en-IN" dirty="0"/>
           </a:p>
         </p:txBody>
       </p:sp>
@@ -15855,7 +16407,7 @@
 </p:sld>
 </file>
 
-<file path=ppt/slides/slide14.xml><?xml version="1.0" encoding="utf-8"?>
+<file path=ppt/slides/slide15.xml><?xml version="1.0" encoding="utf-8"?>
 <p:sld xmlns:a="http://schemas.openxmlformats.org/drawingml/2006/main" xmlns:r="http://schemas.openxmlformats.org/officeDocument/2006/relationships" xmlns:p="http://schemas.openxmlformats.org/presentationml/2006/main">
   <p:cSld>
     <p:bg>
@@ -16134,7 +16686,7 @@
 </p:sld>
 </file>
 
-<file path=ppt/slides/slide15.xml><?xml version="1.0" encoding="utf-8"?>
+<file path=ppt/slides/slide16.xml><?xml version="1.0" encoding="utf-8"?>
 <p:sld xmlns:a="http://schemas.openxmlformats.org/drawingml/2006/main" xmlns:r="http://schemas.openxmlformats.org/officeDocument/2006/relationships" xmlns:p="http://schemas.openxmlformats.org/presentationml/2006/main">
   <p:cSld>
     <p:bg>
@@ -16310,7 +16862,7 @@
 </p:sld>
 </file>
 
-<file path=ppt/slides/slide16.xml><?xml version="1.0" encoding="utf-8"?>
+<file path=ppt/slides/slide17.xml><?xml version="1.0" encoding="utf-8"?>
 <p:sld xmlns:a="http://schemas.openxmlformats.org/drawingml/2006/main" xmlns:r="http://schemas.openxmlformats.org/officeDocument/2006/relationships" xmlns:p="http://schemas.openxmlformats.org/presentationml/2006/main">
   <p:cSld>
     <p:bg>
@@ -16828,7 +17380,7 @@
 </p:sld>
 </file>
 
-<file path=ppt/slides/slide17.xml><?xml version="1.0" encoding="utf-8"?>
+<file path=ppt/slides/slide18.xml><?xml version="1.0" encoding="utf-8"?>
 <p:sld xmlns:a="http://schemas.openxmlformats.org/drawingml/2006/main" xmlns:r="http://schemas.openxmlformats.org/officeDocument/2006/relationships" xmlns:p="http://schemas.openxmlformats.org/presentationml/2006/main">
   <p:cSld>
     <p:bg>
@@ -17787,7 +18339,7 @@
 </p:sld>
 </file>
 
-<file path=ppt/slides/slide18.xml><?xml version="1.0" encoding="utf-8"?>
+<file path=ppt/slides/slide19.xml><?xml version="1.0" encoding="utf-8"?>
 <p:sld xmlns:a="http://schemas.openxmlformats.org/drawingml/2006/main" xmlns:r="http://schemas.openxmlformats.org/officeDocument/2006/relationships" xmlns:p="http://schemas.openxmlformats.org/presentationml/2006/main">
   <p:cSld>
     <p:bg>
@@ -18286,117 +18838,6 @@
 </p:sld>
 </file>
 
-<file path=ppt/slides/slide19.xml><?xml version="1.0" encoding="utf-8"?>
-<p:sld xmlns:a="http://schemas.openxmlformats.org/drawingml/2006/main" xmlns:r="http://schemas.openxmlformats.org/officeDocument/2006/relationships" xmlns:p="http://schemas.openxmlformats.org/presentationml/2006/main">
-  <p:cSld>
-    <p:bg>
-      <p:bgPr>
-        <a:solidFill>
-          <a:schemeClr val="bg1"/>
-        </a:solidFill>
-        <a:effectLst/>
-      </p:bgPr>
-    </p:bg>
-    <p:spTree>
-      <p:nvGrpSpPr>
-        <p:cNvPr id="1" name=""/>
-        <p:cNvGrpSpPr/>
-        <p:nvPr/>
-      </p:nvGrpSpPr>
-      <p:grpSpPr>
-        <a:xfrm>
-          <a:off x="0" y="0"/>
-          <a:ext cx="0" cy="0"/>
-          <a:chOff x="0" y="0"/>
-          <a:chExt cx="0" cy="0"/>
-        </a:xfrm>
-      </p:grpSpPr>
-      <p:sp>
-        <p:nvSpPr>
-          <p:cNvPr id="2" name="Title 1">
-            <a:extLst>
-              <a:ext uri="{FF2B5EF4-FFF2-40B4-BE49-F238E27FC236}">
-                <a16:creationId xmlns:a16="http://schemas.microsoft.com/office/drawing/2014/main" id="{97D93138-CEA0-4C7B-82EE-DC53231A3B3E}"/>
-              </a:ext>
-            </a:extLst>
-          </p:cNvPr>
-          <p:cNvSpPr>
-            <a:spLocks noGrp="1"/>
-          </p:cNvSpPr>
-          <p:nvPr>
-            <p:ph type="title"/>
-          </p:nvPr>
-        </p:nvSpPr>
-        <p:spPr>
-          <a:xfrm>
-            <a:off x="640080" y="5576887"/>
-            <a:ext cx="10911840" cy="640081"/>
-          </a:xfrm>
-        </p:spPr>
-        <p:txBody>
-          <a:bodyPr vert="horz" lIns="91440" tIns="45720" rIns="91440" bIns="45720" rtlCol="0" anchor="ctr">
-            <a:normAutofit/>
-          </a:bodyPr>
-          <a:lstStyle/>
-          <a:p>
-            <a:pPr algn="ctr"/>
-            <a:r>
-              <a:rPr lang="en-US" sz="3200" dirty="0"/>
-              <a:t>Output</a:t>
-            </a:r>
-          </a:p>
-        </p:txBody>
-      </p:sp>
-      <p:pic>
-        <p:nvPicPr>
-          <p:cNvPr id="5" name="Content Placeholder 4" descr="Text&#10;&#10;Description automatically generated">
-            <a:extLst>
-              <a:ext uri="{FF2B5EF4-FFF2-40B4-BE49-F238E27FC236}">
-                <a16:creationId xmlns:a16="http://schemas.microsoft.com/office/drawing/2014/main" id="{B9A46999-F91B-4EB7-BB1D-818132E07C65}"/>
-              </a:ext>
-            </a:extLst>
-          </p:cNvPr>
-          <p:cNvPicPr>
-            <a:picLocks noGrp="1" noChangeAspect="1"/>
-          </p:cNvPicPr>
-          <p:nvPr>
-            <p:ph idx="1"/>
-          </p:nvPr>
-        </p:nvPicPr>
-        <p:blipFill rotWithShape="1">
-          <a:blip r:embed="rId2"/>
-          <a:srcRect t="9074" r="1" b="1"/>
-          <a:stretch/>
-        </p:blipFill>
-        <p:spPr>
-          <a:xfrm>
-            <a:off x="640080" y="640080"/>
-            <a:ext cx="10911840" cy="4836795"/>
-          </a:xfrm>
-          <a:prstGeom prst="rect">
-            <a:avLst/>
-          </a:prstGeom>
-          <a:ln w="19050">
-            <a:solidFill>
-              <a:schemeClr val="tx1"/>
-            </a:solidFill>
-            <a:miter lim="800000"/>
-          </a:ln>
-        </p:spPr>
-      </p:pic>
-    </p:spTree>
-    <p:extLst>
-      <p:ext uri="{BB962C8B-B14F-4D97-AF65-F5344CB8AC3E}">
-        <p14:creationId xmlns:p14="http://schemas.microsoft.com/office/powerpoint/2010/main" val="1845507532"/>
-      </p:ext>
-    </p:extLst>
-  </p:cSld>
-  <p:clrMapOvr>
-    <a:overrideClrMapping bg1="dk1" tx1="lt1" bg2="dk2" tx2="lt2" accent1="accent1" accent2="accent2" accent3="accent3" accent4="accent4" accent5="accent5" accent6="accent6" hlink="hlink" folHlink="folHlink"/>
-  </p:clrMapOvr>
-</p:sld>
-</file>
-
 <file path=ppt/slides/slide2.xml><?xml version="1.0" encoding="utf-8"?>
 <p:sld xmlns:a="http://schemas.openxmlformats.org/drawingml/2006/main" xmlns:r="http://schemas.openxmlformats.org/officeDocument/2006/relationships" xmlns:p="http://schemas.openxmlformats.org/presentationml/2006/main">
   <p:cSld>
@@ -18708,6 +19149,117 @@
 </file>
 
 <file path=ppt/slides/slide20.xml><?xml version="1.0" encoding="utf-8"?>
+<p:sld xmlns:a="http://schemas.openxmlformats.org/drawingml/2006/main" xmlns:r="http://schemas.openxmlformats.org/officeDocument/2006/relationships" xmlns:p="http://schemas.openxmlformats.org/presentationml/2006/main">
+  <p:cSld>
+    <p:bg>
+      <p:bgPr>
+        <a:solidFill>
+          <a:schemeClr val="bg1"/>
+        </a:solidFill>
+        <a:effectLst/>
+      </p:bgPr>
+    </p:bg>
+    <p:spTree>
+      <p:nvGrpSpPr>
+        <p:cNvPr id="1" name=""/>
+        <p:cNvGrpSpPr/>
+        <p:nvPr/>
+      </p:nvGrpSpPr>
+      <p:grpSpPr>
+        <a:xfrm>
+          <a:off x="0" y="0"/>
+          <a:ext cx="0" cy="0"/>
+          <a:chOff x="0" y="0"/>
+          <a:chExt cx="0" cy="0"/>
+        </a:xfrm>
+      </p:grpSpPr>
+      <p:sp>
+        <p:nvSpPr>
+          <p:cNvPr id="2" name="Title 1">
+            <a:extLst>
+              <a:ext uri="{FF2B5EF4-FFF2-40B4-BE49-F238E27FC236}">
+                <a16:creationId xmlns:a16="http://schemas.microsoft.com/office/drawing/2014/main" id="{97D93138-CEA0-4C7B-82EE-DC53231A3B3E}"/>
+              </a:ext>
+            </a:extLst>
+          </p:cNvPr>
+          <p:cNvSpPr>
+            <a:spLocks noGrp="1"/>
+          </p:cNvSpPr>
+          <p:nvPr>
+            <p:ph type="title"/>
+          </p:nvPr>
+        </p:nvSpPr>
+        <p:spPr>
+          <a:xfrm>
+            <a:off x="640080" y="5576887"/>
+            <a:ext cx="10911840" cy="640081"/>
+          </a:xfrm>
+        </p:spPr>
+        <p:txBody>
+          <a:bodyPr vert="horz" lIns="91440" tIns="45720" rIns="91440" bIns="45720" rtlCol="0" anchor="ctr">
+            <a:normAutofit/>
+          </a:bodyPr>
+          <a:lstStyle/>
+          <a:p>
+            <a:pPr algn="ctr"/>
+            <a:r>
+              <a:rPr lang="en-US" sz="3200" dirty="0"/>
+              <a:t>Output</a:t>
+            </a:r>
+          </a:p>
+        </p:txBody>
+      </p:sp>
+      <p:pic>
+        <p:nvPicPr>
+          <p:cNvPr id="5" name="Content Placeholder 4" descr="Text&#10;&#10;Description automatically generated">
+            <a:extLst>
+              <a:ext uri="{FF2B5EF4-FFF2-40B4-BE49-F238E27FC236}">
+                <a16:creationId xmlns:a16="http://schemas.microsoft.com/office/drawing/2014/main" id="{B9A46999-F91B-4EB7-BB1D-818132E07C65}"/>
+              </a:ext>
+            </a:extLst>
+          </p:cNvPr>
+          <p:cNvPicPr>
+            <a:picLocks noGrp="1" noChangeAspect="1"/>
+          </p:cNvPicPr>
+          <p:nvPr>
+            <p:ph idx="1"/>
+          </p:nvPr>
+        </p:nvPicPr>
+        <p:blipFill rotWithShape="1">
+          <a:blip r:embed="rId2"/>
+          <a:srcRect t="9074" r="1" b="1"/>
+          <a:stretch/>
+        </p:blipFill>
+        <p:spPr>
+          <a:xfrm>
+            <a:off x="640080" y="640080"/>
+            <a:ext cx="10911840" cy="4836795"/>
+          </a:xfrm>
+          <a:prstGeom prst="rect">
+            <a:avLst/>
+          </a:prstGeom>
+          <a:ln w="19050">
+            <a:solidFill>
+              <a:schemeClr val="tx1"/>
+            </a:solidFill>
+            <a:miter lim="800000"/>
+          </a:ln>
+        </p:spPr>
+      </p:pic>
+    </p:spTree>
+    <p:extLst>
+      <p:ext uri="{BB962C8B-B14F-4D97-AF65-F5344CB8AC3E}">
+        <p14:creationId xmlns:p14="http://schemas.microsoft.com/office/powerpoint/2010/main" val="1845507532"/>
+      </p:ext>
+    </p:extLst>
+  </p:cSld>
+  <p:clrMapOvr>
+    <a:overrideClrMapping bg1="dk1" tx1="lt1" bg2="dk2" tx2="lt2" accent1="accent1" accent2="accent2" accent3="accent3" accent4="accent4" accent5="accent5" accent6="accent6" hlink="hlink" folHlink="folHlink"/>
+  </p:clrMapOvr>
+</p:sld>
+</file>
+
+<file path=ppt/slides/slide21.xml><?xml version="1.0" encoding="utf-8"?>
 <p:sld xmlns:a="http://schemas.openxmlformats.org/drawingml/2006/main" xmlns:r="http://schemas.openxmlformats.org/officeDocument/2006/relationships" xmlns:p="http://schemas.openxmlformats.org/presentationml/2006/main">
   <p:cSld>
     <p:bg>
